--- a/cache/9cf05d24-6bd9-4dae-8967-f67d88f5d38a/214_9.pptx
+++ b/cache/9cf05d24-6bd9-4dae-8967-f67d88f5d38a/214_9.pptx
@@ -397,7 +397,7 @@
         <p:txBody>
           <a:bodyPr/>
           <a:p>
-            <a:fld id="{B57425E8-81A9-4D92-B21D-592828731BDE}" type="slidenum">
+            <a:fld id="{5A8C4FF4-5D18-45DB-8353-5D4C42F4BD5E}" type="slidenum">
               <a:t>&lt;#&gt;</a:t>
             </a:fld>
           </a:p>
@@ -585,7 +585,7 @@
         <p:txBody>
           <a:bodyPr/>
           <a:p>
-            <a:fld id="{CE86BAB9-B396-4459-95D5-E7B1F960195C}" type="slidenum">
+            <a:fld id="{8DC27FDB-3672-4C19-AFE6-38D153BC3BBF}" type="slidenum">
               <a:t>&lt;#&gt;</a:t>
             </a:fld>
           </a:p>
@@ -841,7 +841,7 @@
         <p:txBody>
           <a:bodyPr/>
           <a:p>
-            <a:fld id="{C45998D2-C3AB-4914-8E2C-4C4B71BBBCA6}" type="slidenum">
+            <a:fld id="{2C63CE09-0087-4B9B-A040-A034373202F4}" type="slidenum">
               <a:t>&lt;#&gt;</a:t>
             </a:fld>
           </a:p>
@@ -1165,7 +1165,7 @@
         <p:txBody>
           <a:bodyPr/>
           <a:p>
-            <a:fld id="{379DCF0B-6645-4744-B478-CD01627973EE}" type="slidenum">
+            <a:fld id="{706741FA-D1C0-498E-85ED-D4B9C110BDD4}" type="slidenum">
               <a:t>&lt;#&gt;</a:t>
             </a:fld>
           </a:p>
@@ -1322,7 +1322,7 @@
         <p:txBody>
           <a:bodyPr/>
           <a:p>
-            <a:fld id="{DCCF7C2F-A71A-496C-BC2D-E50773AE987E}" type="slidenum">
+            <a:fld id="{7712F23C-EF9A-48C5-A0ED-93C09D77F5AB}" type="slidenum">
               <a:t>&lt;#&gt;</a:t>
             </a:fld>
           </a:p>
@@ -1476,7 +1476,7 @@
         <p:txBody>
           <a:bodyPr/>
           <a:p>
-            <a:fld id="{527B65C0-D43A-4C4A-B552-6DAFF354B3A5}" type="slidenum">
+            <a:fld id="{C5A00F4C-9BB2-49B6-AA8B-F05320A8C3FB}" type="slidenum">
               <a:t>&lt;#&gt;</a:t>
             </a:fld>
           </a:p>
@@ -1664,7 +1664,7 @@
         <p:txBody>
           <a:bodyPr/>
           <a:p>
-            <a:fld id="{A75A5C68-A28A-4AF7-8D25-94710E9296BF}" type="slidenum">
+            <a:fld id="{4B3073BD-565A-4731-BCE4-0A8895B3C3EA}" type="slidenum">
               <a:t>&lt;#&gt;</a:t>
             </a:fld>
           </a:p>
@@ -1784,7 +1784,7 @@
         <p:txBody>
           <a:bodyPr/>
           <a:p>
-            <a:fld id="{6C3740CF-46E9-46DC-8A09-71E4B46BFE52}" type="slidenum">
+            <a:fld id="{46960AE5-6864-434D-9F74-39C1F8137A72}" type="slidenum">
               <a:t>&lt;#&gt;</a:t>
             </a:fld>
           </a:p>
@@ -1904,7 +1904,7 @@
         <p:txBody>
           <a:bodyPr/>
           <a:p>
-            <a:fld id="{B5A2D47E-881D-4194-8376-5881207C0E88}" type="slidenum">
+            <a:fld id="{73FBD6EA-9600-4254-9924-94CD1253883C}" type="slidenum">
               <a:t>&lt;#&gt;</a:t>
             </a:fld>
           </a:p>
@@ -2126,7 +2126,7 @@
         <p:txBody>
           <a:bodyPr/>
           <a:p>
-            <a:fld id="{04D8CDB7-A440-4FA0-B116-9B4125E5F981}" type="slidenum">
+            <a:fld id="{42E5B842-0AAD-45DD-9F6F-D53C001F0FA3}" type="slidenum">
               <a:t>&lt;#&gt;</a:t>
             </a:fld>
           </a:p>
@@ -2348,7 +2348,7 @@
         <p:txBody>
           <a:bodyPr/>
           <a:p>
-            <a:fld id="{0C3C9BC9-A13A-4C45-A724-3D4557F6CEEB}" type="slidenum">
+            <a:fld id="{EE8E693F-2FBB-4EC0-ABF2-E1D9C0C66DFE}" type="slidenum">
               <a:t>&lt;#&gt;</a:t>
             </a:fld>
           </a:p>
@@ -2570,7 +2570,7 @@
         <p:txBody>
           <a:bodyPr/>
           <a:p>
-            <a:fld id="{EBE9B1F2-2A16-41F6-9AD1-D904E9DE6D95}" type="slidenum">
+            <a:fld id="{8F346267-159D-4D74-AC93-A9852E60310F}" type="slidenum">
               <a:t>&lt;#&gt;</a:t>
             </a:fld>
           </a:p>
@@ -2731,7 +2731,7 @@
               </a:lnSpc>
               <a:buNone/>
             </a:pPr>
-            <a:fld id="{68C980C3-E06E-44C7-85E2-CC07EDB1F6F6}" type="slidenum">
+            <a:fld id="{D0B89BC7-A07F-4BEC-A59C-1D3C21B60F6D}" type="slidenum">
               <a:rPr b="0" lang="en-US" sz="1200" spc="-1" strike="noStrike">
                 <a:solidFill>
                   <a:srgbClr val="8b8b8b"/>
